--- a/Paths_lidar_learning.pptx
+++ b/Paths_lidar_learning.pptx
@@ -4605,7 +4605,7 @@
           <p:nvPr>
             <p:extLst>
               <p:ext uri="{D42A27DB-BD31-4B8C-83A1-F6EECF244321}">
-                <p14:modId xmlns:p14="http://schemas.microsoft.com/office/powerpoint/2010/main" val="110597261"/>
+                <p14:modId xmlns:p14="http://schemas.microsoft.com/office/powerpoint/2010/main" val="1570867772"/>
               </p:ext>
             </p:extLst>
           </p:nvPr>
@@ -4868,7 +4868,11 @@
                         <a:buChar char="Ø"/>
                       </a:pPr>
                       <a:r>
-                        <a:rPr lang="en-US" sz="1200" dirty="0"/>
+                        <a:rPr lang="en-US" sz="1200" dirty="0">
+                          <a:highlight>
+                            <a:srgbClr val="FFFF00"/>
+                          </a:highlight>
+                        </a:rPr>
                         <a:t>&lt;STATAION_NAME&gt;</a:t>
                       </a:r>
                     </a:p>
@@ -5057,7 +5061,11 @@
                         <a:buChar char="Ø"/>
                       </a:pPr>
                       <a:r>
-                        <a:rPr lang="en-US" sz="1200" dirty="0"/>
+                        <a:rPr lang="en-US" sz="1200" dirty="0">
+                          <a:highlight>
+                            <a:srgbClr val="FFFF00"/>
+                          </a:highlight>
+                        </a:rPr>
                         <a:t>&lt;STATAION_NAME&gt;</a:t>
                       </a:r>
                     </a:p>

--- a/Paths_lidar_learning.pptx
+++ b/Paths_lidar_learning.pptx
@@ -288,7 +288,7 @@
           <a:p>
             <a:fld id="{DB45633F-89B7-45EC-8C94-CFE6103888EB}" type="datetimeFigureOut">
               <a:rPr lang="en-US" smtClean="0"/>
-              <a:t>7/4/2021</a:t>
+              <a:t>2/8/2022</a:t>
             </a:fld>
             <a:endParaRPr lang="en-US"/>
           </a:p>
@@ -486,7 +486,7 @@
           <a:p>
             <a:fld id="{DB45633F-89B7-45EC-8C94-CFE6103888EB}" type="datetimeFigureOut">
               <a:rPr lang="en-US" smtClean="0"/>
-              <a:t>7/4/2021</a:t>
+              <a:t>2/8/2022</a:t>
             </a:fld>
             <a:endParaRPr lang="en-US"/>
           </a:p>
@@ -694,7 +694,7 @@
           <a:p>
             <a:fld id="{DB45633F-89B7-45EC-8C94-CFE6103888EB}" type="datetimeFigureOut">
               <a:rPr lang="en-US" smtClean="0"/>
-              <a:t>7/4/2021</a:t>
+              <a:t>2/8/2022</a:t>
             </a:fld>
             <a:endParaRPr lang="en-US"/>
           </a:p>
@@ -892,7 +892,7 @@
           <a:p>
             <a:fld id="{DB45633F-89B7-45EC-8C94-CFE6103888EB}" type="datetimeFigureOut">
               <a:rPr lang="en-US" smtClean="0"/>
-              <a:t>7/4/2021</a:t>
+              <a:t>2/8/2022</a:t>
             </a:fld>
             <a:endParaRPr lang="en-US"/>
           </a:p>
@@ -1167,7 +1167,7 @@
           <a:p>
             <a:fld id="{DB45633F-89B7-45EC-8C94-CFE6103888EB}" type="datetimeFigureOut">
               <a:rPr lang="en-US" smtClean="0"/>
-              <a:t>7/4/2021</a:t>
+              <a:t>2/8/2022</a:t>
             </a:fld>
             <a:endParaRPr lang="en-US"/>
           </a:p>
@@ -1432,7 +1432,7 @@
           <a:p>
             <a:fld id="{DB45633F-89B7-45EC-8C94-CFE6103888EB}" type="datetimeFigureOut">
               <a:rPr lang="en-US" smtClean="0"/>
-              <a:t>7/4/2021</a:t>
+              <a:t>2/8/2022</a:t>
             </a:fld>
             <a:endParaRPr lang="en-US"/>
           </a:p>
@@ -1844,7 +1844,7 @@
           <a:p>
             <a:fld id="{DB45633F-89B7-45EC-8C94-CFE6103888EB}" type="datetimeFigureOut">
               <a:rPr lang="en-US" smtClean="0"/>
-              <a:t>7/4/2021</a:t>
+              <a:t>2/8/2022</a:t>
             </a:fld>
             <a:endParaRPr lang="en-US"/>
           </a:p>
@@ -1985,7 +1985,7 @@
           <a:p>
             <a:fld id="{DB45633F-89B7-45EC-8C94-CFE6103888EB}" type="datetimeFigureOut">
               <a:rPr lang="en-US" smtClean="0"/>
-              <a:t>7/4/2021</a:t>
+              <a:t>2/8/2022</a:t>
             </a:fld>
             <a:endParaRPr lang="en-US"/>
           </a:p>
@@ -2098,7 +2098,7 @@
           <a:p>
             <a:fld id="{DB45633F-89B7-45EC-8C94-CFE6103888EB}" type="datetimeFigureOut">
               <a:rPr lang="en-US" smtClean="0"/>
-              <a:t>7/4/2021</a:t>
+              <a:t>2/8/2022</a:t>
             </a:fld>
             <a:endParaRPr lang="en-US"/>
           </a:p>
@@ -2409,7 +2409,7 @@
           <a:p>
             <a:fld id="{DB45633F-89B7-45EC-8C94-CFE6103888EB}" type="datetimeFigureOut">
               <a:rPr lang="en-US" smtClean="0"/>
-              <a:t>7/4/2021</a:t>
+              <a:t>2/8/2022</a:t>
             </a:fld>
             <a:endParaRPr lang="en-US"/>
           </a:p>
@@ -2697,7 +2697,7 @@
           <a:p>
             <a:fld id="{DB45633F-89B7-45EC-8C94-CFE6103888EB}" type="datetimeFigureOut">
               <a:rPr lang="en-US" smtClean="0"/>
-              <a:t>7/4/2021</a:t>
+              <a:t>2/8/2022</a:t>
             </a:fld>
             <a:endParaRPr lang="en-US"/>
           </a:p>
@@ -2938,7 +2938,7 @@
           <a:p>
             <a:fld id="{DB45633F-89B7-45EC-8C94-CFE6103888EB}" type="datetimeFigureOut">
               <a:rPr lang="en-US" smtClean="0"/>
-              <a:t>7/4/2021</a:t>
+              <a:t>2/8/2022</a:t>
             </a:fld>
             <a:endParaRPr lang="en-US"/>
           </a:p>
@@ -3458,7 +3458,19 @@
           <a:p>
             <a:r>
               <a:rPr lang="en-US" dirty="0" err="1"/>
-              <a:t>Lidar_calibration_data</a:t>
+              <a:t>Lidar_data</a:t>
+            </a:r>
+            <a:r>
+              <a:rPr lang="en-US" dirty="0"/>
+              <a:t>\&lt;</a:t>
+            </a:r>
+            <a:r>
+              <a:rPr lang="en-US" dirty="0" err="1"/>
+              <a:t>station_name</a:t>
+            </a:r>
+            <a:r>
+              <a:rPr lang="en-US" dirty="0"/>
+              <a:t>&gt;</a:t>
             </a:r>
             <a:endParaRPr lang="en-US" b="1" dirty="0"/>
           </a:p>
@@ -3523,7 +3535,7 @@
             </a:pPr>
             <a:r>
               <a:rPr lang="en-US" dirty="0"/>
-              <a:t>SPLIT_DATA</a:t>
+              <a:t>NN_DATA</a:t>
             </a:r>
           </a:p>
           <a:p>
@@ -3593,11 +3605,19 @@
           <a:p>
             <a:r>
               <a:rPr lang="en-US" dirty="0" err="1"/>
-              <a:t>Lidar_calibration_data</a:t>
+              <a:t>Lidar_data</a:t>
             </a:r>
             <a:r>
               <a:rPr lang="en-US" dirty="0"/>
-              <a:t>\RAW_DATA</a:t>
+              <a:t> \&lt;</a:t>
+            </a:r>
+            <a:r>
+              <a:rPr lang="en-US" dirty="0" err="1"/>
+              <a:t>station_name</a:t>
+            </a:r>
+            <a:r>
+              <a:rPr lang="en-US" dirty="0"/>
+              <a:t>&gt; \RAW_DATA</a:t>
             </a:r>
             <a:endParaRPr lang="en-US" b="1" dirty="0"/>
           </a:p>
@@ -4573,18 +4593,31 @@
             <p:ph type="title"/>
           </p:nvPr>
         </p:nvSpPr>
-        <p:spPr/>
+        <p:spPr>
+          <a:xfrm>
+            <a:off x="446314" y="399959"/>
+            <a:ext cx="11022874" cy="1325563"/>
+          </a:xfrm>
+        </p:spPr>
         <p:txBody>
           <a:bodyPr/>
           <a:lstStyle/>
           <a:p>
             <a:r>
               <a:rPr lang="en-US" dirty="0" err="1"/>
-              <a:t>Lidar_calibration_data</a:t>
+              <a:t>Lidar_data</a:t>
             </a:r>
             <a:r>
               <a:rPr lang="en-US" dirty="0"/>
-              <a:t>\PROCESSED_DATA</a:t>
+              <a:t>\&lt;</a:t>
+            </a:r>
+            <a:r>
+              <a:rPr lang="en-US" dirty="0" err="1"/>
+              <a:t>station_name</a:t>
+            </a:r>
+            <a:r>
+              <a:rPr lang="en-US" dirty="0"/>
+              <a:t>&gt;\PROCESSED_DATA</a:t>
             </a:r>
             <a:endParaRPr lang="en-US" b="1" dirty="0"/>
           </a:p>
@@ -5713,18 +5746,31 @@
             <p:ph type="title"/>
           </p:nvPr>
         </p:nvSpPr>
-        <p:spPr/>
+        <p:spPr>
+          <a:xfrm>
+            <a:off x="535032" y="365125"/>
+            <a:ext cx="10818768" cy="1325563"/>
+          </a:xfrm>
+        </p:spPr>
         <p:txBody>
           <a:bodyPr/>
           <a:lstStyle/>
           <a:p>
             <a:r>
               <a:rPr lang="en-US" dirty="0" err="1"/>
-              <a:t>Lidar_calibration_data</a:t>
+              <a:t>Lidar_data</a:t>
             </a:r>
             <a:r>
               <a:rPr lang="en-US" dirty="0"/>
-              <a:t>\GENERATED_DATA</a:t>
+              <a:t>\&lt;</a:t>
+            </a:r>
+            <a:r>
+              <a:rPr lang="en-US" dirty="0" err="1"/>
+              <a:t>station_name</a:t>
+            </a:r>
+            <a:r>
+              <a:rPr lang="en-US" dirty="0"/>
+              <a:t>&gt;\GENERATED_DATA</a:t>
             </a:r>
             <a:endParaRPr lang="en-US" b="1" dirty="0"/>
           </a:p>
@@ -6702,11 +6748,19 @@
           <a:p>
             <a:r>
               <a:rPr lang="en-US" dirty="0" err="1"/>
-              <a:t>Lidar_calibration_data</a:t>
+              <a:t>Lidar_data</a:t>
             </a:r>
             <a:r>
               <a:rPr lang="en-US" dirty="0"/>
-              <a:t>\SPLIT_DATA</a:t>
+              <a:t>\&lt;</a:t>
+            </a:r>
+            <a:r>
+              <a:rPr lang="en-US" dirty="0" err="1"/>
+              <a:t>station_name</a:t>
+            </a:r>
+            <a:r>
+              <a:rPr lang="en-US" dirty="0"/>
+              <a:t>&gt;\NN_DATA</a:t>
             </a:r>
             <a:endParaRPr lang="en-US" b="1" dirty="0"/>
           </a:p>
@@ -6727,7 +6781,7 @@
           <p:nvPr>
             <p:extLst>
               <p:ext uri="{D42A27DB-BD31-4B8C-83A1-F6EECF244321}">
-                <p14:modId xmlns:p14="http://schemas.microsoft.com/office/powerpoint/2010/main" val="3625430964"/>
+                <p14:modId xmlns:p14="http://schemas.microsoft.com/office/powerpoint/2010/main" val="1645508695"/>
               </p:ext>
             </p:extLst>
           </p:nvPr>
@@ -6783,7 +6837,31 @@
                       </a:pPr>
                       <a:r>
                         <a:rPr lang="en-US" sz="1050" dirty="0"/>
-                        <a:t>SPLIT_PROCESSED_DATA</a:t>
+                        <a:t>PROCESSED_DATA </a:t>
+                      </a:r>
+                      <a:r>
+                        <a:rPr lang="en-US" sz="1050" dirty="0">
+                          <a:highlight>
+                            <a:srgbClr val="00FFFF"/>
+                          </a:highlight>
+                        </a:rPr>
+                        <a:t>(Folder that contains samples that corresponds to processed data from lidar and </a:t>
+                      </a:r>
+                      <a:r>
+                        <a:rPr lang="en-US" sz="1050" dirty="0" err="1">
+                          <a:highlight>
+                            <a:srgbClr val="00FFFF"/>
+                          </a:highlight>
+                        </a:rPr>
+                        <a:t>gdas</a:t>
+                      </a:r>
+                      <a:r>
+                        <a:rPr lang="en-US" sz="1050" dirty="0">
+                          <a:highlight>
+                            <a:srgbClr val="00FFFF"/>
+                          </a:highlight>
+                        </a:rPr>
+                        <a:t> measurements)</a:t>
                       </a:r>
                     </a:p>
                     <a:p>
@@ -7414,7 +7492,15 @@
                       </a:pPr>
                       <a:r>
                         <a:rPr lang="en-US" sz="1050" dirty="0"/>
-                        <a:t>SPLIT_ GENERATED_DATA</a:t>
+                        <a:t>GENERATED_DATA </a:t>
+                      </a:r>
+                      <a:r>
+                        <a:rPr lang="en-US" sz="1050" dirty="0">
+                          <a:highlight>
+                            <a:srgbClr val="00FFFF"/>
+                          </a:highlight>
+                        </a:rPr>
+                        <a:t>(Folder that contains samples that corresponds to generated data)</a:t>
                       </a:r>
                     </a:p>
                     <a:p>
